--- a/classes/Phys9b18/downloads/Non-uniform motion.pptx
+++ b/classes/Phys9b18/downloads/Non-uniform motion.pptx
@@ -4597,11 +4597,7 @@
           <a:p>
             <a:r>
               <a:rPr lang="en-US" dirty="0" smtClean="0"/>
-              <a:t>The object’s </a:t>
-            </a:r>
-            <a:r>
-              <a:rPr lang="en-US" smtClean="0"/>
-              <a:t>speed/velocity changes</a:t>
+              <a:t>The object’s speed/velocity changes</a:t>
             </a:r>
             <a:endParaRPr lang="en-US" dirty="0"/>
           </a:p>
@@ -9431,16 +9427,28 @@
           <a:lstStyle/>
           <a:p>
             <a:r>
-              <a:rPr lang="en-US" dirty="0" smtClean="0"/>
+              <a:rPr lang="en-US" dirty="0" smtClean="0">
+                <a:solidFill>
+                  <a:srgbClr val="FF0000"/>
+                </a:solidFill>
+              </a:rPr>
               <a:t>The slope of the velocity-time graph is equal to the acceleration of the object</a:t>
             </a:r>
           </a:p>
           <a:p>
             <a:r>
-              <a:rPr lang="en-US" dirty="0" smtClean="0"/>
+              <a:rPr lang="en-US" dirty="0" smtClean="0">
+                <a:solidFill>
+                  <a:srgbClr val="FF0000"/>
+                </a:solidFill>
+              </a:rPr>
               <a:t>The area under the graph is equal to the distance covered by the object</a:t>
             </a:r>
-            <a:endParaRPr lang="en-US" dirty="0"/>
+            <a:endParaRPr lang="en-US" dirty="0">
+              <a:solidFill>
+                <a:srgbClr val="FF0000"/>
+              </a:solidFill>
+            </a:endParaRPr>
           </a:p>
         </p:txBody>
       </p:sp>

--- a/classes/Phys9b18/downloads/Non-uniform motion.pptx
+++ b/classes/Phys9b18/downloads/Non-uniform motion.pptx
@@ -4013,8 +4013,8 @@
           </a:prstGeom>
         </p:spPr>
       </p:pic>
-      <mc:AlternateContent xmlns:mc="http://schemas.openxmlformats.org/markup-compatibility/2006" xmlns:a14="http://schemas.microsoft.com/office/drawing/2010/main">
-        <mc:Choice Requires="a14">
+      <mc:AlternateContent xmlns:mc="http://schemas.openxmlformats.org/markup-compatibility/2006">
+        <mc:Choice xmlns:a14="http://schemas.microsoft.com/office/drawing/2010/main" Requires="a14">
           <p:sp>
             <p:nvSpPr>
               <p:cNvPr id="7" name="Content Placeholder 6"/>
@@ -4031,7 +4031,11 @@
               <a:lstStyle/>
               <a:p>
                 <a:r>
-                  <a:rPr lang="en-US" dirty="0" smtClean="0"/>
+                  <a:rPr lang="en-US" dirty="0" smtClean="0">
+                    <a:solidFill>
+                      <a:srgbClr val="FF0000"/>
+                    </a:solidFill>
+                  </a:rPr>
                   <a:t>The area under the graph is equal to the distance covered by the object</a:t>
                 </a:r>
               </a:p>
@@ -4131,7 +4135,7 @@
             </p:txBody>
           </p:sp>
         </mc:Choice>
-        <mc:Fallback xmlns="">
+        <mc:Fallback>
           <p:sp>
             <p:nvSpPr>
               <p:cNvPr id="7" name="Content Placeholder 6"/>
@@ -6943,7 +6947,7 @@
             <p:spPr/>
             <p:txBody>
               <a:bodyPr>
-                <a:normAutofit fontScale="92500"/>
+                <a:normAutofit lnSpcReduction="10000"/>
               </a:bodyPr>
               <a:lstStyle/>
               <a:p>
@@ -7271,7 +7275,7 @@
                               <a:rPr lang="en-US" b="0" i="1" smtClean="0">
                                 <a:latin typeface="Cambria Math" panose="02040503050406030204" pitchFamily="18" charset="0"/>
                               </a:rPr>
-                              <m:t>2</m:t>
+                              <m:t>𝑓𝑖𝑛𝑎𝑙</m:t>
                             </m:r>
                           </m:sub>
                         </m:sSub>
@@ -7302,7 +7306,88 @@
                               <a:rPr lang="en-US" b="0" i="1" smtClean="0">
                                 <a:latin typeface="Cambria Math" panose="02040503050406030204" pitchFamily="18" charset="0"/>
                               </a:rPr>
-                              <m:t>1</m:t>
+                              <m:t>𝑖𝑛𝑖𝑡𝑖𝑎𝑙</m:t>
+                            </m:r>
+                          </m:sub>
+                        </m:sSub>
+                      </m:num>
+                      <m:den>
+                        <m:r>
+                          <a:rPr lang="en-US" b="0" i="1" smtClean="0">
+                            <a:latin typeface="Cambria Math" panose="02040503050406030204" pitchFamily="18" charset="0"/>
+                          </a:rPr>
+                          <m:t>𝑡</m:t>
+                        </m:r>
+                      </m:den>
+                    </m:f>
+                    <m:r>
+                      <a:rPr lang="en-US" b="0" i="1" smtClean="0">
+                        <a:latin typeface="Cambria Math" panose="02040503050406030204" pitchFamily="18" charset="0"/>
+                      </a:rPr>
+                      <m:t>=</m:t>
+                    </m:r>
+                    <m:f>
+                      <m:fPr>
+                        <m:ctrlPr>
+                          <a:rPr lang="en-US" b="0" i="1" smtClean="0">
+                            <a:latin typeface="Cambria Math" panose="02040503050406030204" pitchFamily="18" charset="0"/>
+                          </a:rPr>
+                        </m:ctrlPr>
+                      </m:fPr>
+                      <m:num>
+                        <m:sSub>
+                          <m:sSubPr>
+                            <m:ctrlPr>
+                              <a:rPr lang="en-US" b="0" i="1" smtClean="0">
+                                <a:latin typeface="Cambria Math" panose="02040503050406030204" pitchFamily="18" charset="0"/>
+                              </a:rPr>
+                            </m:ctrlPr>
+                          </m:sSubPr>
+                          <m:e>
+                            <m:r>
+                              <a:rPr lang="en-US" b="0" i="1" smtClean="0">
+                                <a:latin typeface="Cambria Math" panose="02040503050406030204" pitchFamily="18" charset="0"/>
+                              </a:rPr>
+                              <m:t>𝑣</m:t>
+                            </m:r>
+                          </m:e>
+                          <m:sub>
+                            <m:r>
+                              <a:rPr lang="en-US" b="0" i="1" smtClean="0">
+                                <a:latin typeface="Cambria Math" panose="02040503050406030204" pitchFamily="18" charset="0"/>
+                              </a:rPr>
+                              <m:t>𝑓</m:t>
+                            </m:r>
+                          </m:sub>
+                        </m:sSub>
+                        <m:r>
+                          <a:rPr lang="en-US" b="0" i="1" smtClean="0">
+                            <a:latin typeface="Cambria Math" panose="02040503050406030204" pitchFamily="18" charset="0"/>
+                          </a:rPr>
+                          <m:t>−</m:t>
+                        </m:r>
+                        <m:sSub>
+                          <m:sSubPr>
+                            <m:ctrlPr>
+                              <a:rPr lang="en-US" b="0" i="1" smtClean="0">
+                                <a:latin typeface="Cambria Math" panose="02040503050406030204" pitchFamily="18" charset="0"/>
+                              </a:rPr>
+                            </m:ctrlPr>
+                          </m:sSubPr>
+                          <m:e>
+                            <m:r>
+                              <a:rPr lang="en-US" b="0" i="1" smtClean="0">
+                                <a:latin typeface="Cambria Math" panose="02040503050406030204" pitchFamily="18" charset="0"/>
+                              </a:rPr>
+                              <m:t>𝑣</m:t>
+                            </m:r>
+                          </m:e>
+                          <m:sub>
+                            <m:r>
+                              <a:rPr lang="en-US" b="0" i="1" smtClean="0">
+                                <a:latin typeface="Cambria Math" panose="02040503050406030204" pitchFamily="18" charset="0"/>
+                              </a:rPr>
+                              <m:t>𝑖</m:t>
                             </m:r>
                           </m:sub>
                         </m:sSub>
@@ -7737,7 +7822,7 @@
               <a:blipFill>
                 <a:blip r:embed="rId2"/>
                 <a:stretch>
-                  <a:fillRect l="-928" t="-2101"/>
+                  <a:fillRect l="-1043" t="-3081" b="-2941"/>
                 </a:stretch>
               </a:blipFill>
             </p:spPr>
@@ -8464,6 +8549,121 @@
                       </p:childTnLst>
                     </p:cTn>
                   </p:par>
+                  <p:par>
+                    <p:cTn id="45" fill="hold">
+                      <p:stCondLst>
+                        <p:cond delay="indefinite"/>
+                      </p:stCondLst>
+                      <p:childTnLst>
+                        <p:par>
+                          <p:cTn id="46" fill="hold">
+                            <p:stCondLst>
+                              <p:cond delay="0"/>
+                            </p:stCondLst>
+                            <p:childTnLst>
+                              <p:par>
+                                <p:cTn id="47" presetID="42" presetClass="entr" presetSubtype="0" fill="hold" nodeType="clickEffect">
+                                  <p:stCondLst>
+                                    <p:cond delay="0"/>
+                                  </p:stCondLst>
+                                  <p:childTnLst>
+                                    <p:set>
+                                      <p:cBhvr>
+                                        <p:cTn id="48" dur="1" fill="hold">
+                                          <p:stCondLst>
+                                            <p:cond delay="0"/>
+                                          </p:stCondLst>
+                                        </p:cTn>
+                                        <p:tgtEl>
+                                          <p:spTgt spid="3">
+                                            <p:txEl>
+                                              <p:pRg st="6" end="6"/>
+                                            </p:txEl>
+                                          </p:spTgt>
+                                        </p:tgtEl>
+                                        <p:attrNameLst>
+                                          <p:attrName>style.visibility</p:attrName>
+                                        </p:attrNameLst>
+                                      </p:cBhvr>
+                                      <p:to>
+                                        <p:strVal val="visible"/>
+                                      </p:to>
+                                    </p:set>
+                                    <p:animEffect transition="in" filter="fade">
+                                      <p:cBhvr>
+                                        <p:cTn id="49" dur="1000"/>
+                                        <p:tgtEl>
+                                          <p:spTgt spid="3">
+                                            <p:txEl>
+                                              <p:pRg st="6" end="6"/>
+                                            </p:txEl>
+                                          </p:spTgt>
+                                        </p:tgtEl>
+                                      </p:cBhvr>
+                                    </p:animEffect>
+                                    <p:anim calcmode="lin" valueType="num">
+                                      <p:cBhvr>
+                                        <p:cTn id="50" dur="1000" fill="hold"/>
+                                        <p:tgtEl>
+                                          <p:spTgt spid="3">
+                                            <p:txEl>
+                                              <p:pRg st="6" end="6"/>
+                                            </p:txEl>
+                                          </p:spTgt>
+                                        </p:tgtEl>
+                                        <p:attrNameLst>
+                                          <p:attrName>ppt_x</p:attrName>
+                                        </p:attrNameLst>
+                                      </p:cBhvr>
+                                      <p:tavLst>
+                                        <p:tav tm="0">
+                                          <p:val>
+                                            <p:strVal val="#ppt_x"/>
+                                          </p:val>
+                                        </p:tav>
+                                        <p:tav tm="100000">
+                                          <p:val>
+                                            <p:strVal val="#ppt_x"/>
+                                          </p:val>
+                                        </p:tav>
+                                      </p:tavLst>
+                                    </p:anim>
+                                    <p:anim calcmode="lin" valueType="num">
+                                      <p:cBhvr>
+                                        <p:cTn id="51" dur="1000" fill="hold"/>
+                                        <p:tgtEl>
+                                          <p:spTgt spid="3">
+                                            <p:txEl>
+                                              <p:pRg st="6" end="6"/>
+                                            </p:txEl>
+                                          </p:spTgt>
+                                        </p:tgtEl>
+                                        <p:attrNameLst>
+                                          <p:attrName>ppt_y</p:attrName>
+                                        </p:attrNameLst>
+                                      </p:cBhvr>
+                                      <p:tavLst>
+                                        <p:tav tm="0">
+                                          <p:val>
+                                            <p:strVal val="#ppt_y+.1"/>
+                                          </p:val>
+                                        </p:tav>
+                                        <p:tav tm="100000">
+                                          <p:val>
+                                            <p:strVal val="#ppt_y"/>
+                                          </p:val>
+                                        </p:tav>
+                                      </p:tavLst>
+                                    </p:anim>
+                                  </p:childTnLst>
+                                </p:cTn>
+                              </p:par>
+                            </p:childTnLst>
+                          </p:cTn>
+                        </p:par>
+                      </p:childTnLst>
+                    </p:cTn>
+                  </p:par>
                 </p:childTnLst>
               </p:cTn>
               <p:prevCondLst>
